--- a/AM_SELECT_Cafe_2TBDA/PPT/Pitch.pptx
+++ b/AM_SELECT_Cafe_2TBDA/PPT/Pitch.pptx
@@ -225,7 +225,7 @@
           <a:p>
             <a:fld id="{A08F266D-93B1-430E-B4F5-104B1489EF37}" type="datetimeFigureOut">
               <a:rPr lang="pt-BR" smtClean="0"/>
-              <a:t>18/04/2016</a:t>
+              <a:t>24/08/2016</a:t>
             </a:fld>
             <a:endParaRPr lang="pt-BR"/>
           </a:p>
@@ -291,7 +291,7 @@
           <a:p>
             <a:fld id="{BA18563D-FF3F-4CEB-A539-186C8311EAEF}" type="slidenum">
               <a:rPr lang="pt-BR" smtClean="0"/>
-              <a:t>‹nº›</a:t>
+              <a:t>‹#›</a:t>
             </a:fld>
             <a:endParaRPr lang="pt-BR"/>
           </a:p>
@@ -505,7 +505,7 @@
             <a:fld id="{B61BEF0D-F0BB-DE4B-95CE-6DB70DBA9567}" type="datetimeFigureOut">
               <a:rPr lang="en-US" smtClean="0"/>
               <a:pPr/>
-              <a:t>4/18/2016</a:t>
+              <a:t>8/24/2016</a:t>
             </a:fld>
             <a:endParaRPr lang="en-US" dirty="0"/>
           </a:p>
@@ -564,7 +564,7 @@
             <a:fld id="{D57F1E4F-1CFF-5643-939E-217C01CDF565}" type="slidenum">
               <a:rPr lang="en-US" smtClean="0"/>
               <a:pPr/>
-              <a:t>‹nº›</a:t>
+              <a:t>‹#›</a:t>
             </a:fld>
             <a:endParaRPr lang="en-US" dirty="0"/>
           </a:p>
@@ -727,7 +727,7 @@
           <a:p>
             <a:fld id="{55C6B4A9-1611-4792-9094-5F34BCA07E0B}" type="datetimeFigureOut">
               <a:rPr lang="en-US" smtClean="0"/>
-              <a:t>4/18/2016</a:t>
+              <a:t>8/24/2016</a:t>
             </a:fld>
             <a:endParaRPr lang="en-US" dirty="0"/>
           </a:p>
@@ -769,7 +769,7 @@
           <a:p>
             <a:fld id="{89333C77-0158-454C-844F-B7AB9BD7DAD4}" type="slidenum">
               <a:rPr lang="en-US" smtClean="0"/>
-              <a:t>‹nº›</a:t>
+              <a:t>‹#›</a:t>
             </a:fld>
             <a:endParaRPr lang="en-US" dirty="0"/>
           </a:p>
@@ -908,7 +908,7 @@
             <a:fld id="{B61BEF0D-F0BB-DE4B-95CE-6DB70DBA9567}" type="datetimeFigureOut">
               <a:rPr lang="en-US" smtClean="0"/>
               <a:pPr/>
-              <a:t>4/18/2016</a:t>
+              <a:t>8/24/2016</a:t>
             </a:fld>
             <a:endParaRPr lang="en-US" dirty="0"/>
           </a:p>
@@ -951,7 +951,7 @@
             <a:fld id="{D57F1E4F-1CFF-5643-939E-217C01CDF565}" type="slidenum">
               <a:rPr lang="en-US" smtClean="0"/>
               <a:pPr/>
-              <a:t>‹nº›</a:t>
+              <a:t>‹#›</a:t>
             </a:fld>
             <a:endParaRPr lang="en-US" dirty="0"/>
           </a:p>
@@ -1080,7 +1080,7 @@
             <a:fld id="{B61BEF0D-F0BB-DE4B-95CE-6DB70DBA9567}" type="datetimeFigureOut">
               <a:rPr lang="en-US" smtClean="0"/>
               <a:pPr/>
-              <a:t>4/18/2016</a:t>
+              <a:t>8/24/2016</a:t>
             </a:fld>
             <a:endParaRPr lang="en-US" dirty="0"/>
           </a:p>
@@ -1123,7 +1123,7 @@
             <a:fld id="{D57F1E4F-1CFF-5643-939E-217C01CDF565}" type="slidenum">
               <a:rPr lang="en-US" smtClean="0"/>
               <a:pPr/>
-              <a:t>‹nº›</a:t>
+              <a:t>‹#›</a:t>
             </a:fld>
             <a:endParaRPr lang="en-US" dirty="0"/>
           </a:p>
@@ -1333,7 +1333,7 @@
             <a:fld id="{B61BEF0D-F0BB-DE4B-95CE-6DB70DBA9567}" type="datetimeFigureOut">
               <a:rPr lang="en-US" smtClean="0"/>
               <a:pPr/>
-              <a:t>4/18/2016</a:t>
+              <a:t>8/24/2016</a:t>
             </a:fld>
             <a:endParaRPr lang="en-US" dirty="0"/>
           </a:p>
@@ -1376,7 +1376,7 @@
             <a:fld id="{D57F1E4F-1CFF-5643-939E-217C01CDF565}" type="slidenum">
               <a:rPr lang="en-US" smtClean="0"/>
               <a:pPr/>
-              <a:t>‹nº›</a:t>
+              <a:t>‹#›</a:t>
             </a:fld>
             <a:endParaRPr lang="en-US" dirty="0"/>
           </a:p>
@@ -1657,7 +1657,7 @@
           <a:p>
             <a:fld id="{EB712588-04B1-427B-82EE-E8DB90309F08}" type="datetimeFigureOut">
               <a:rPr lang="en-US" smtClean="0"/>
-              <a:t>4/18/2016</a:t>
+              <a:t>8/24/2016</a:t>
             </a:fld>
             <a:endParaRPr lang="en-US" dirty="0"/>
           </a:p>
@@ -1699,7 +1699,7 @@
           <a:p>
             <a:fld id="{6FF9F0C5-380F-41C2-899A-BAC0F0927E16}" type="slidenum">
               <a:rPr lang="en-US" smtClean="0"/>
-              <a:t>‹nº›</a:t>
+              <a:t>‹#›</a:t>
             </a:fld>
             <a:endParaRPr lang="en-US" dirty="0"/>
           </a:p>
@@ -2082,7 +2082,7 @@
             <a:fld id="{B61BEF0D-F0BB-DE4B-95CE-6DB70DBA9567}" type="datetimeFigureOut">
               <a:rPr lang="en-US" smtClean="0"/>
               <a:pPr/>
-              <a:t>4/18/2016</a:t>
+              <a:t>8/24/2016</a:t>
             </a:fld>
             <a:endParaRPr lang="en-US" dirty="0"/>
           </a:p>
@@ -2125,7 +2125,7 @@
             <a:fld id="{D57F1E4F-1CFF-5643-939E-217C01CDF565}" type="slidenum">
               <a:rPr lang="en-US" smtClean="0"/>
               <a:pPr/>
-              <a:t>‹nº›</a:t>
+              <a:t>‹#›</a:t>
             </a:fld>
             <a:endParaRPr lang="en-US" dirty="0"/>
           </a:p>
@@ -2202,7 +2202,7 @@
             <a:fld id="{B61BEF0D-F0BB-DE4B-95CE-6DB70DBA9567}" type="datetimeFigureOut">
               <a:rPr lang="en-US" smtClean="0"/>
               <a:pPr/>
-              <a:t>4/18/2016</a:t>
+              <a:t>8/24/2016</a:t>
             </a:fld>
             <a:endParaRPr lang="en-US" dirty="0"/>
           </a:p>
@@ -2245,7 +2245,7 @@
             <a:fld id="{D57F1E4F-1CFF-5643-939E-217C01CDF565}" type="slidenum">
               <a:rPr lang="en-US" smtClean="0"/>
               <a:pPr/>
-              <a:t>‹nº›</a:t>
+              <a:t>‹#›</a:t>
             </a:fld>
             <a:endParaRPr lang="en-US" dirty="0"/>
           </a:p>
@@ -2299,7 +2299,7 @@
             <a:fld id="{B61BEF0D-F0BB-DE4B-95CE-6DB70DBA9567}" type="datetimeFigureOut">
               <a:rPr lang="en-US" smtClean="0"/>
               <a:pPr/>
-              <a:t>4/18/2016</a:t>
+              <a:t>8/24/2016</a:t>
             </a:fld>
             <a:endParaRPr lang="en-US" dirty="0"/>
           </a:p>
@@ -2342,7 +2342,7 @@
             <a:fld id="{D57F1E4F-1CFF-5643-939E-217C01CDF565}" type="slidenum">
               <a:rPr lang="en-US" smtClean="0"/>
               <a:pPr/>
-              <a:t>‹nº›</a:t>
+              <a:t>‹#›</a:t>
             </a:fld>
             <a:endParaRPr lang="en-US" dirty="0"/>
           </a:p>
@@ -2590,7 +2590,7 @@
           <a:p>
             <a:fld id="{42A54C80-263E-416B-A8E0-580EDEADCBDC}" type="datetimeFigureOut">
               <a:rPr lang="en-US" smtClean="0"/>
-              <a:t>4/18/2016</a:t>
+              <a:t>8/24/2016</a:t>
             </a:fld>
             <a:endParaRPr lang="en-US" dirty="0"/>
           </a:p>
@@ -2632,7 +2632,7 @@
           <a:p>
             <a:fld id="{519954A3-9DFD-4C44-94BA-B95130A3BA1C}" type="slidenum">
               <a:rPr lang="en-US" smtClean="0"/>
-              <a:t>‹nº›</a:t>
+              <a:t>‹#›</a:t>
             </a:fld>
             <a:endParaRPr lang="en-US" dirty="0"/>
           </a:p>
@@ -2863,7 +2863,7 @@
             <a:fld id="{B61BEF0D-F0BB-DE4B-95CE-6DB70DBA9567}" type="datetimeFigureOut">
               <a:rPr lang="en-US" smtClean="0"/>
               <a:pPr/>
-              <a:t>4/18/2016</a:t>
+              <a:t>8/24/2016</a:t>
             </a:fld>
             <a:endParaRPr lang="en-US" dirty="0"/>
           </a:p>
@@ -2906,7 +2906,7 @@
             <a:fld id="{D57F1E4F-1CFF-5643-939E-217C01CDF565}" type="slidenum">
               <a:rPr lang="en-US" smtClean="0"/>
               <a:pPr/>
-              <a:t>‹nº›</a:t>
+              <a:t>‹#›</a:t>
             </a:fld>
             <a:endParaRPr lang="en-US" dirty="0"/>
           </a:p>
@@ -3119,7 +3119,7 @@
             <a:fld id="{B61BEF0D-F0BB-DE4B-95CE-6DB70DBA9567}" type="datetimeFigureOut">
               <a:rPr lang="en-US" smtClean="0"/>
               <a:pPr/>
-              <a:t>4/18/2016</a:t>
+              <a:t>8/24/2016</a:t>
             </a:fld>
             <a:endParaRPr lang="en-US" dirty="0"/>
           </a:p>
@@ -3194,7 +3194,7 @@
             <a:fld id="{D57F1E4F-1CFF-5643-939E-217C01CDF565}" type="slidenum">
               <a:rPr lang="en-US" smtClean="0"/>
               <a:pPr/>
-              <a:t>‹nº›</a:t>
+              <a:t>‹#›</a:t>
             </a:fld>
             <a:endParaRPr lang="en-US" dirty="0"/>
           </a:p>
@@ -12038,6 +12038,13 @@
             <a:r>
               <a:rPr lang="pt-BR" dirty="0" smtClean="0"/>
               <a:t>.</a:t>
+            </a:r>
+          </a:p>
+          <a:p>
+            <a:pPr algn="just"/>
+            <a:r>
+              <a:rPr lang="pt-BR" smtClean="0"/>
+              <a:t>Redes de cafeteria.</a:t>
             </a:r>
             <a:endParaRPr lang="en-US" dirty="0" smtClean="0"/>
           </a:p>
